--- a/Minimum Steiner Trees.pptx
+++ b/Minimum Steiner Trees.pptx
@@ -108,11 +108,41 @@
       </a:defRPr>
     </a:lvl9pPr>
   </p:defaultTextStyle>
+  <p:extLst>
+    <p:ext uri="{EFAFB233-063F-42B5-8137-9DF3F51BA10A}">
+      <p15:sldGuideLst xmlns:p15="http://schemas.microsoft.com/office/powerpoint/2012/main"/>
+    </p:ext>
+  </p:extLst>
 </p:presentation>
 </file>
 
-<file path=ppt/revisionInfo.xml><?xml version="1.0" encoding="utf-8"?>
-<p1510:revInfo xmlns:a="http://schemas.openxmlformats.org/drawingml/2006/main" xmlns:r="http://schemas.openxmlformats.org/officeDocument/2006/relationships" xmlns:p1510="http://schemas.microsoft.com/office/powerpoint/2015/10/main"/>
+<file path=ppt/changesInfos/changesInfo1.xml><?xml version="1.0" encoding="utf-8"?>
+<pc:chgInfo xmlns:a="http://schemas.openxmlformats.org/drawingml/2006/main" xmlns:r="http://schemas.openxmlformats.org/officeDocument/2006/relationships" xmlns:ac="http://schemas.microsoft.com/office/drawing/2013/main/command" xmlns:pc="http://schemas.microsoft.com/office/powerpoint/2013/main/command">
+  <pc:docChgLst>
+    <pc:chgData name="AJINKYA BEDEKAR" userId="682b254421872a13" providerId="LiveId" clId="{C4849D2A-68E4-4F21-8643-B776D2982BB9}"/>
+    <pc:docChg chg="modSld">
+      <pc:chgData name="AJINKYA BEDEKAR" userId="682b254421872a13" providerId="LiveId" clId="{C4849D2A-68E4-4F21-8643-B776D2982BB9}" dt="2017-11-19T19:15:22.717" v="212" actId="20577"/>
+      <pc:docMkLst>
+        <pc:docMk/>
+      </pc:docMkLst>
+      <pc:sldChg chg="modSp modAnim">
+        <pc:chgData name="AJINKYA BEDEKAR" userId="682b254421872a13" providerId="LiveId" clId="{C4849D2A-68E4-4F21-8643-B776D2982BB9}" dt="2017-11-19T19:15:22.717" v="212" actId="20577"/>
+        <pc:sldMkLst>
+          <pc:docMk/>
+          <pc:sldMk cId="2481299868" sldId="257"/>
+        </pc:sldMkLst>
+        <pc:spChg chg="mod">
+          <ac:chgData name="AJINKYA BEDEKAR" userId="682b254421872a13" providerId="LiveId" clId="{C4849D2A-68E4-4F21-8643-B776D2982BB9}" dt="2017-11-19T19:15:22.717" v="212" actId="20577"/>
+          <ac:spMkLst>
+            <pc:docMk/>
+            <pc:sldMk cId="2481299868" sldId="257"/>
+            <ac:spMk id="3" creationId="{4430442C-A35C-4A0D-8CA8-54A41DC91AFB}"/>
+          </ac:spMkLst>
+        </pc:spChg>
+      </pc:sldChg>
+    </pc:docChg>
+  </pc:docChgLst>
+</pc:chgInfo>
 </file>
 
 <file path=ppt/slideLayouts/slideLayout1.xml><?xml version="1.0" encoding="utf-8"?>
@@ -246,7 +276,7 @@
           <a:p>
             <a:fld id="{A829764C-B3C7-40BE-9CAC-9F5BA9A8BDA4}" type="datetimeFigureOut">
               <a:rPr lang="en-US" smtClean="0"/>
-              <a:t>11/19/2017</a:t>
+              <a:t>11/20/2017</a:t>
             </a:fld>
             <a:endParaRPr lang="en-US"/>
           </a:p>
@@ -416,7 +446,7 @@
           <a:p>
             <a:fld id="{A829764C-B3C7-40BE-9CAC-9F5BA9A8BDA4}" type="datetimeFigureOut">
               <a:rPr lang="en-US" smtClean="0"/>
-              <a:t>11/19/2017</a:t>
+              <a:t>11/20/2017</a:t>
             </a:fld>
             <a:endParaRPr lang="en-US"/>
           </a:p>
@@ -596,7 +626,7 @@
           <a:p>
             <a:fld id="{A829764C-B3C7-40BE-9CAC-9F5BA9A8BDA4}" type="datetimeFigureOut">
               <a:rPr lang="en-US" smtClean="0"/>
-              <a:t>11/19/2017</a:t>
+              <a:t>11/20/2017</a:t>
             </a:fld>
             <a:endParaRPr lang="en-US"/>
           </a:p>
@@ -766,7 +796,7 @@
           <a:p>
             <a:fld id="{A829764C-B3C7-40BE-9CAC-9F5BA9A8BDA4}" type="datetimeFigureOut">
               <a:rPr lang="en-US" smtClean="0"/>
-              <a:t>11/19/2017</a:t>
+              <a:t>11/20/2017</a:t>
             </a:fld>
             <a:endParaRPr lang="en-US"/>
           </a:p>
@@ -1010,7 +1040,7 @@
           <a:p>
             <a:fld id="{A829764C-B3C7-40BE-9CAC-9F5BA9A8BDA4}" type="datetimeFigureOut">
               <a:rPr lang="en-US" smtClean="0"/>
-              <a:t>11/19/2017</a:t>
+              <a:t>11/20/2017</a:t>
             </a:fld>
             <a:endParaRPr lang="en-US"/>
           </a:p>
@@ -1242,7 +1272,7 @@
           <a:p>
             <a:fld id="{A829764C-B3C7-40BE-9CAC-9F5BA9A8BDA4}" type="datetimeFigureOut">
               <a:rPr lang="en-US" smtClean="0"/>
-              <a:t>11/19/2017</a:t>
+              <a:t>11/20/2017</a:t>
             </a:fld>
             <a:endParaRPr lang="en-US"/>
           </a:p>
@@ -1609,7 +1639,7 @@
           <a:p>
             <a:fld id="{A829764C-B3C7-40BE-9CAC-9F5BA9A8BDA4}" type="datetimeFigureOut">
               <a:rPr lang="en-US" smtClean="0"/>
-              <a:t>11/19/2017</a:t>
+              <a:t>11/20/2017</a:t>
             </a:fld>
             <a:endParaRPr lang="en-US"/>
           </a:p>
@@ -1727,7 +1757,7 @@
           <a:p>
             <a:fld id="{A829764C-B3C7-40BE-9CAC-9F5BA9A8BDA4}" type="datetimeFigureOut">
               <a:rPr lang="en-US" smtClean="0"/>
-              <a:t>11/19/2017</a:t>
+              <a:t>11/20/2017</a:t>
             </a:fld>
             <a:endParaRPr lang="en-US"/>
           </a:p>
@@ -1822,7 +1852,7 @@
           <a:p>
             <a:fld id="{A829764C-B3C7-40BE-9CAC-9F5BA9A8BDA4}" type="datetimeFigureOut">
               <a:rPr lang="en-US" smtClean="0"/>
-              <a:t>11/19/2017</a:t>
+              <a:t>11/20/2017</a:t>
             </a:fld>
             <a:endParaRPr lang="en-US"/>
           </a:p>
@@ -2099,7 +2129,7 @@
           <a:p>
             <a:fld id="{A829764C-B3C7-40BE-9CAC-9F5BA9A8BDA4}" type="datetimeFigureOut">
               <a:rPr lang="en-US" smtClean="0"/>
-              <a:t>11/19/2017</a:t>
+              <a:t>11/20/2017</a:t>
             </a:fld>
             <a:endParaRPr lang="en-US"/>
           </a:p>
@@ -2356,7 +2386,7 @@
           <a:p>
             <a:fld id="{A829764C-B3C7-40BE-9CAC-9F5BA9A8BDA4}" type="datetimeFigureOut">
               <a:rPr lang="en-US" smtClean="0"/>
-              <a:t>11/19/2017</a:t>
+              <a:t>11/20/2017</a:t>
             </a:fld>
             <a:endParaRPr lang="en-US"/>
           </a:p>
@@ -2569,7 +2599,7 @@
           <a:p>
             <a:fld id="{A829764C-B3C7-40BE-9CAC-9F5BA9A8BDA4}" type="datetimeFigureOut">
               <a:rPr lang="en-US" smtClean="0"/>
-              <a:t>11/19/2017</a:t>
+              <a:t>11/20/2017</a:t>
             </a:fld>
             <a:endParaRPr lang="en-US"/>
           </a:p>
@@ -3510,6 +3540,56 @@
               <a:t>Minimum Steiner Tree problem is NP Hard.</a:t>
             </a:r>
           </a:p>
+          <a:p>
+            <a:pPr marL="144661" indent="-144661" algn="just">
+              <a:buFont typeface="Wingdings" panose="05000000000000000000" pitchFamily="2" charset="2"/>
+              <a:buChar char="Ø"/>
+            </a:pPr>
+            <a:r>
+              <a:rPr lang="en-US" sz="2800" dirty="0">
+                <a:latin typeface="Times New Roman" panose="02020603050405020304" pitchFamily="18" charset="0"/>
+                <a:cs typeface="Times New Roman" panose="02020603050405020304" pitchFamily="18" charset="0"/>
+              </a:rPr>
+              <a:t>Exactly three edges at every Steiner vertex.</a:t>
+            </a:r>
+          </a:p>
+          <a:p>
+            <a:pPr marL="144661" indent="-144661" algn="just">
+              <a:buFont typeface="Wingdings" panose="05000000000000000000" pitchFamily="2" charset="2"/>
+              <a:buChar char="Ø"/>
+            </a:pPr>
+            <a:r>
+              <a:rPr lang="en-US" sz="2800" dirty="0">
+                <a:latin typeface="Times New Roman" panose="02020603050405020304" pitchFamily="18" charset="0"/>
+                <a:cs typeface="Times New Roman" panose="02020603050405020304" pitchFamily="18" charset="0"/>
+              </a:rPr>
+              <a:t>The angles between the edges meeting at a Steiner vertex is 120 degrees.</a:t>
+            </a:r>
+          </a:p>
+          <a:p>
+            <a:pPr marL="144661" indent="-144661" algn="just">
+              <a:buFont typeface="Wingdings" panose="05000000000000000000" pitchFamily="2" charset="2"/>
+              <a:buChar char="Ø"/>
+            </a:pPr>
+            <a:r>
+              <a:rPr lang="en-US" sz="2800" dirty="0">
+                <a:latin typeface="Times New Roman" panose="02020603050405020304" pitchFamily="18" charset="0"/>
+                <a:cs typeface="Times New Roman" panose="02020603050405020304" pitchFamily="18" charset="0"/>
+              </a:rPr>
+              <a:t>If there are N vertices then we can use a maximum of N-2 </a:t>
+            </a:r>
+            <a:r>
+              <a:rPr lang="en-US" sz="2800">
+                <a:latin typeface="Times New Roman" panose="02020603050405020304" pitchFamily="18" charset="0"/>
+                <a:cs typeface="Times New Roman" panose="02020603050405020304" pitchFamily="18" charset="0"/>
+              </a:rPr>
+              <a:t>Steiner vertices.</a:t>
+            </a:r>
+            <a:endParaRPr lang="en-US" sz="2800" dirty="0">
+              <a:latin typeface="Times New Roman" panose="02020603050405020304" pitchFamily="18" charset="0"/>
+              <a:cs typeface="Times New Roman" panose="02020603050405020304" pitchFamily="18" charset="0"/>
+            </a:endParaRPr>
+          </a:p>
         </p:txBody>
       </p:sp>
     </p:spTree>
@@ -3848,34 +3928,22 @@
                             </p:stCondLst>
                             <p:childTnLst>
                               <p:par>
-                                <p:cTn id="30" presetID="10" presetClass="exit" presetSubtype="0" fill="hold" nodeType="clickEffect">
+                                <p:cTn id="30" presetID="10" presetClass="entr" presetSubtype="0" fill="hold" nodeType="clickEffect">
                                   <p:stCondLst>
                                     <p:cond delay="0"/>
                                   </p:stCondLst>
                                   <p:childTnLst>
-                                    <p:animEffect transition="out" filter="fade">
-                                      <p:cBhvr>
-                                        <p:cTn id="31" dur="500"/>
+                                    <p:set>
+                                      <p:cBhvr>
+                                        <p:cTn id="31" dur="1" fill="hold">
+                                          <p:stCondLst>
+                                            <p:cond delay="0"/>
+                                          </p:stCondLst>
+                                        </p:cTn>
                                         <p:tgtEl>
                                           <p:spTgt spid="3">
                                             <p:txEl>
-                                              <p:pRg st="0" end="0"/>
-                                            </p:txEl>
-                                          </p:spTgt>
-                                        </p:tgtEl>
-                                      </p:cBhvr>
-                                    </p:animEffect>
-                                    <p:set>
-                                      <p:cBhvr>
-                                        <p:cTn id="32" dur="1" fill="hold">
-                                          <p:stCondLst>
-                                            <p:cond delay="499"/>
-                                          </p:stCondLst>
-                                        </p:cTn>
-                                        <p:tgtEl>
-                                          <p:spTgt spid="3">
-                                            <p:txEl>
-                                              <p:pRg st="0" end="0"/>
+                                              <p:pRg st="5" end="5"/>
                                             </p:txEl>
                                           </p:spTgt>
                                         </p:tgtEl>
@@ -3884,9 +3952,21 @@
                                         </p:attrNameLst>
                                       </p:cBhvr>
                                       <p:to>
-                                        <p:strVal val="hidden"/>
+                                        <p:strVal val="visible"/>
                                       </p:to>
                                     </p:set>
+                                    <p:animEffect transition="in" filter="fade">
+                                      <p:cBhvr>
+                                        <p:cTn id="32" dur="500"/>
+                                        <p:tgtEl>
+                                          <p:spTgt spid="3">
+                                            <p:txEl>
+                                              <p:pRg st="5" end="5"/>
+                                            </p:txEl>
+                                          </p:spTgt>
+                                        </p:tgtEl>
+                                      </p:cBhvr>
+                                    </p:animEffect>
                                   </p:childTnLst>
                                 </p:cTn>
                               </p:par>
@@ -3909,34 +3989,22 @@
                             </p:stCondLst>
                             <p:childTnLst>
                               <p:par>
-                                <p:cTn id="35" presetID="10" presetClass="exit" presetSubtype="0" fill="hold" nodeType="clickEffect">
+                                <p:cTn id="35" presetID="10" presetClass="entr" presetSubtype="0" fill="hold" nodeType="clickEffect">
                                   <p:stCondLst>
                                     <p:cond delay="0"/>
                                   </p:stCondLst>
                                   <p:childTnLst>
-                                    <p:animEffect transition="out" filter="fade">
-                                      <p:cBhvr>
-                                        <p:cTn id="36" dur="500"/>
+                                    <p:set>
+                                      <p:cBhvr>
+                                        <p:cTn id="36" dur="1" fill="hold">
+                                          <p:stCondLst>
+                                            <p:cond delay="0"/>
+                                          </p:stCondLst>
+                                        </p:cTn>
                                         <p:tgtEl>
                                           <p:spTgt spid="3">
                                             <p:txEl>
-                                              <p:pRg st="1" end="1"/>
-                                            </p:txEl>
-                                          </p:spTgt>
-                                        </p:tgtEl>
-                                      </p:cBhvr>
-                                    </p:animEffect>
-                                    <p:set>
-                                      <p:cBhvr>
-                                        <p:cTn id="37" dur="1" fill="hold">
-                                          <p:stCondLst>
-                                            <p:cond delay="499"/>
-                                          </p:stCondLst>
-                                        </p:cTn>
-                                        <p:tgtEl>
-                                          <p:spTgt spid="3">
-                                            <p:txEl>
-                                              <p:pRg st="1" end="1"/>
+                                              <p:pRg st="6" end="6"/>
                                             </p:txEl>
                                           </p:spTgt>
                                         </p:tgtEl>
@@ -3945,9 +4013,21 @@
                                         </p:attrNameLst>
                                       </p:cBhvr>
                                       <p:to>
-                                        <p:strVal val="hidden"/>
+                                        <p:strVal val="visible"/>
                                       </p:to>
                                     </p:set>
+                                    <p:animEffect transition="in" filter="fade">
+                                      <p:cBhvr>
+                                        <p:cTn id="37" dur="500"/>
+                                        <p:tgtEl>
+                                          <p:spTgt spid="3">
+                                            <p:txEl>
+                                              <p:pRg st="6" end="6"/>
+                                            </p:txEl>
+                                          </p:spTgt>
+                                        </p:tgtEl>
+                                      </p:cBhvr>
+                                    </p:animEffect>
                                   </p:childTnLst>
                                 </p:cTn>
                               </p:par>
@@ -3970,34 +4050,22 @@
                             </p:stCondLst>
                             <p:childTnLst>
                               <p:par>
-                                <p:cTn id="40" presetID="10" presetClass="exit" presetSubtype="0" fill="hold" nodeType="clickEffect">
+                                <p:cTn id="40" presetID="10" presetClass="entr" presetSubtype="0" fill="hold" nodeType="clickEffect">
                                   <p:stCondLst>
                                     <p:cond delay="0"/>
                                   </p:stCondLst>
                                   <p:childTnLst>
-                                    <p:animEffect transition="out" filter="fade">
-                                      <p:cBhvr>
-                                        <p:cTn id="41" dur="500"/>
+                                    <p:set>
+                                      <p:cBhvr>
+                                        <p:cTn id="41" dur="1" fill="hold">
+                                          <p:stCondLst>
+                                            <p:cond delay="0"/>
+                                          </p:stCondLst>
+                                        </p:cTn>
                                         <p:tgtEl>
                                           <p:spTgt spid="3">
                                             <p:txEl>
-                                              <p:pRg st="2" end="2"/>
-                                            </p:txEl>
-                                          </p:spTgt>
-                                        </p:tgtEl>
-                                      </p:cBhvr>
-                                    </p:animEffect>
-                                    <p:set>
-                                      <p:cBhvr>
-                                        <p:cTn id="42" dur="1" fill="hold">
-                                          <p:stCondLst>
-                                            <p:cond delay="499"/>
-                                          </p:stCondLst>
-                                        </p:cTn>
-                                        <p:tgtEl>
-                                          <p:spTgt spid="3">
-                                            <p:txEl>
-                                              <p:pRg st="2" end="2"/>
+                                              <p:pRg st="7" end="7"/>
                                             </p:txEl>
                                           </p:spTgt>
                                         </p:tgtEl>
@@ -4006,9 +4074,21 @@
                                         </p:attrNameLst>
                                       </p:cBhvr>
                                       <p:to>
-                                        <p:strVal val="hidden"/>
+                                        <p:strVal val="visible"/>
                                       </p:to>
                                     </p:set>
+                                    <p:animEffect transition="in" filter="fade">
+                                      <p:cBhvr>
+                                        <p:cTn id="42" dur="500"/>
+                                        <p:tgtEl>
+                                          <p:spTgt spid="3">
+                                            <p:txEl>
+                                              <p:pRg st="7" end="7"/>
+                                            </p:txEl>
+                                          </p:spTgt>
+                                        </p:tgtEl>
+                                      </p:cBhvr>
+                                    </p:animEffect>
                                   </p:childTnLst>
                                 </p:cTn>
                               </p:par>
@@ -4042,7 +4122,7 @@
                                         <p:tgtEl>
                                           <p:spTgt spid="3">
                                             <p:txEl>
-                                              <p:pRg st="3" end="3"/>
+                                              <p:pRg st="0" end="0"/>
                                             </p:txEl>
                                           </p:spTgt>
                                         </p:tgtEl>
@@ -4058,7 +4138,7 @@
                                         <p:tgtEl>
                                           <p:spTgt spid="3">
                                             <p:txEl>
-                                              <p:pRg st="3" end="3"/>
+                                              <p:pRg st="0" end="0"/>
                                             </p:txEl>
                                           </p:spTgt>
                                         </p:tgtEl>
@@ -4103,7 +4183,7 @@
                                         <p:tgtEl>
                                           <p:spTgt spid="3">
                                             <p:txEl>
-                                              <p:pRg st="4" end="4"/>
+                                              <p:pRg st="1" end="1"/>
                                             </p:txEl>
                                           </p:spTgt>
                                         </p:tgtEl>
@@ -4119,7 +4199,373 @@
                                         <p:tgtEl>
                                           <p:spTgt spid="3">
                                             <p:txEl>
+                                              <p:pRg st="1" end="1"/>
+                                            </p:txEl>
+                                          </p:spTgt>
+                                        </p:tgtEl>
+                                        <p:attrNameLst>
+                                          <p:attrName>style.visibility</p:attrName>
+                                        </p:attrNameLst>
+                                      </p:cBhvr>
+                                      <p:to>
+                                        <p:strVal val="hidden"/>
+                                      </p:to>
+                                    </p:set>
+                                  </p:childTnLst>
+                                </p:cTn>
+                              </p:par>
+                            </p:childTnLst>
+                          </p:cTn>
+                        </p:par>
+                      </p:childTnLst>
+                    </p:cTn>
+                  </p:par>
+                  <p:par>
+                    <p:cTn id="53" fill="hold">
+                      <p:stCondLst>
+                        <p:cond delay="indefinite"/>
+                      </p:stCondLst>
+                      <p:childTnLst>
+                        <p:par>
+                          <p:cTn id="54" fill="hold">
+                            <p:stCondLst>
+                              <p:cond delay="0"/>
+                            </p:stCondLst>
+                            <p:childTnLst>
+                              <p:par>
+                                <p:cTn id="55" presetID="10" presetClass="exit" presetSubtype="0" fill="hold" nodeType="clickEffect">
+                                  <p:stCondLst>
+                                    <p:cond delay="0"/>
+                                  </p:stCondLst>
+                                  <p:childTnLst>
+                                    <p:animEffect transition="out" filter="fade">
+                                      <p:cBhvr>
+                                        <p:cTn id="56" dur="500"/>
+                                        <p:tgtEl>
+                                          <p:spTgt spid="3">
+                                            <p:txEl>
+                                              <p:pRg st="2" end="2"/>
+                                            </p:txEl>
+                                          </p:spTgt>
+                                        </p:tgtEl>
+                                      </p:cBhvr>
+                                    </p:animEffect>
+                                    <p:set>
+                                      <p:cBhvr>
+                                        <p:cTn id="57" dur="1" fill="hold">
+                                          <p:stCondLst>
+                                            <p:cond delay="499"/>
+                                          </p:stCondLst>
+                                        </p:cTn>
+                                        <p:tgtEl>
+                                          <p:spTgt spid="3">
+                                            <p:txEl>
+                                              <p:pRg st="2" end="2"/>
+                                            </p:txEl>
+                                          </p:spTgt>
+                                        </p:tgtEl>
+                                        <p:attrNameLst>
+                                          <p:attrName>style.visibility</p:attrName>
+                                        </p:attrNameLst>
+                                      </p:cBhvr>
+                                      <p:to>
+                                        <p:strVal val="hidden"/>
+                                      </p:to>
+                                    </p:set>
+                                  </p:childTnLst>
+                                </p:cTn>
+                              </p:par>
+                            </p:childTnLst>
+                          </p:cTn>
+                        </p:par>
+                      </p:childTnLst>
+                    </p:cTn>
+                  </p:par>
+                  <p:par>
+                    <p:cTn id="58" fill="hold">
+                      <p:stCondLst>
+                        <p:cond delay="indefinite"/>
+                      </p:stCondLst>
+                      <p:childTnLst>
+                        <p:par>
+                          <p:cTn id="59" fill="hold">
+                            <p:stCondLst>
+                              <p:cond delay="0"/>
+                            </p:stCondLst>
+                            <p:childTnLst>
+                              <p:par>
+                                <p:cTn id="60" presetID="10" presetClass="exit" presetSubtype="0" fill="hold" nodeType="clickEffect">
+                                  <p:stCondLst>
+                                    <p:cond delay="0"/>
+                                  </p:stCondLst>
+                                  <p:childTnLst>
+                                    <p:animEffect transition="out" filter="fade">
+                                      <p:cBhvr>
+                                        <p:cTn id="61" dur="500"/>
+                                        <p:tgtEl>
+                                          <p:spTgt spid="3">
+                                            <p:txEl>
+                                              <p:pRg st="3" end="3"/>
+                                            </p:txEl>
+                                          </p:spTgt>
+                                        </p:tgtEl>
+                                      </p:cBhvr>
+                                    </p:animEffect>
+                                    <p:set>
+                                      <p:cBhvr>
+                                        <p:cTn id="62" dur="1" fill="hold">
+                                          <p:stCondLst>
+                                            <p:cond delay="499"/>
+                                          </p:stCondLst>
+                                        </p:cTn>
+                                        <p:tgtEl>
+                                          <p:spTgt spid="3">
+                                            <p:txEl>
+                                              <p:pRg st="3" end="3"/>
+                                            </p:txEl>
+                                          </p:spTgt>
+                                        </p:tgtEl>
+                                        <p:attrNameLst>
+                                          <p:attrName>style.visibility</p:attrName>
+                                        </p:attrNameLst>
+                                      </p:cBhvr>
+                                      <p:to>
+                                        <p:strVal val="hidden"/>
+                                      </p:to>
+                                    </p:set>
+                                  </p:childTnLst>
+                                </p:cTn>
+                              </p:par>
+                            </p:childTnLst>
+                          </p:cTn>
+                        </p:par>
+                      </p:childTnLst>
+                    </p:cTn>
+                  </p:par>
+                  <p:par>
+                    <p:cTn id="63" fill="hold">
+                      <p:stCondLst>
+                        <p:cond delay="indefinite"/>
+                      </p:stCondLst>
+                      <p:childTnLst>
+                        <p:par>
+                          <p:cTn id="64" fill="hold">
+                            <p:stCondLst>
+                              <p:cond delay="0"/>
+                            </p:stCondLst>
+                            <p:childTnLst>
+                              <p:par>
+                                <p:cTn id="65" presetID="10" presetClass="exit" presetSubtype="0" fill="hold" nodeType="clickEffect">
+                                  <p:stCondLst>
+                                    <p:cond delay="0"/>
+                                  </p:stCondLst>
+                                  <p:childTnLst>
+                                    <p:animEffect transition="out" filter="fade">
+                                      <p:cBhvr>
+                                        <p:cTn id="66" dur="500"/>
+                                        <p:tgtEl>
+                                          <p:spTgt spid="3">
+                                            <p:txEl>
                                               <p:pRg st="4" end="4"/>
+                                            </p:txEl>
+                                          </p:spTgt>
+                                        </p:tgtEl>
+                                      </p:cBhvr>
+                                    </p:animEffect>
+                                    <p:set>
+                                      <p:cBhvr>
+                                        <p:cTn id="67" dur="1" fill="hold">
+                                          <p:stCondLst>
+                                            <p:cond delay="499"/>
+                                          </p:stCondLst>
+                                        </p:cTn>
+                                        <p:tgtEl>
+                                          <p:spTgt spid="3">
+                                            <p:txEl>
+                                              <p:pRg st="4" end="4"/>
+                                            </p:txEl>
+                                          </p:spTgt>
+                                        </p:tgtEl>
+                                        <p:attrNameLst>
+                                          <p:attrName>style.visibility</p:attrName>
+                                        </p:attrNameLst>
+                                      </p:cBhvr>
+                                      <p:to>
+                                        <p:strVal val="hidden"/>
+                                      </p:to>
+                                    </p:set>
+                                  </p:childTnLst>
+                                </p:cTn>
+                              </p:par>
+                            </p:childTnLst>
+                          </p:cTn>
+                        </p:par>
+                      </p:childTnLst>
+                    </p:cTn>
+                  </p:par>
+                  <p:par>
+                    <p:cTn id="68" fill="hold">
+                      <p:stCondLst>
+                        <p:cond delay="indefinite"/>
+                      </p:stCondLst>
+                      <p:childTnLst>
+                        <p:par>
+                          <p:cTn id="69" fill="hold">
+                            <p:stCondLst>
+                              <p:cond delay="0"/>
+                            </p:stCondLst>
+                            <p:childTnLst>
+                              <p:par>
+                                <p:cTn id="70" presetID="10" presetClass="exit" presetSubtype="0" fill="hold" nodeType="clickEffect">
+                                  <p:stCondLst>
+                                    <p:cond delay="0"/>
+                                  </p:stCondLst>
+                                  <p:childTnLst>
+                                    <p:animEffect transition="out" filter="fade">
+                                      <p:cBhvr>
+                                        <p:cTn id="71" dur="500"/>
+                                        <p:tgtEl>
+                                          <p:spTgt spid="3">
+                                            <p:txEl>
+                                              <p:pRg st="5" end="5"/>
+                                            </p:txEl>
+                                          </p:spTgt>
+                                        </p:tgtEl>
+                                      </p:cBhvr>
+                                    </p:animEffect>
+                                    <p:set>
+                                      <p:cBhvr>
+                                        <p:cTn id="72" dur="1" fill="hold">
+                                          <p:stCondLst>
+                                            <p:cond delay="499"/>
+                                          </p:stCondLst>
+                                        </p:cTn>
+                                        <p:tgtEl>
+                                          <p:spTgt spid="3">
+                                            <p:txEl>
+                                              <p:pRg st="5" end="5"/>
+                                            </p:txEl>
+                                          </p:spTgt>
+                                        </p:tgtEl>
+                                        <p:attrNameLst>
+                                          <p:attrName>style.visibility</p:attrName>
+                                        </p:attrNameLst>
+                                      </p:cBhvr>
+                                      <p:to>
+                                        <p:strVal val="hidden"/>
+                                      </p:to>
+                                    </p:set>
+                                  </p:childTnLst>
+                                </p:cTn>
+                              </p:par>
+                            </p:childTnLst>
+                          </p:cTn>
+                        </p:par>
+                      </p:childTnLst>
+                    </p:cTn>
+                  </p:par>
+                  <p:par>
+                    <p:cTn id="73" fill="hold">
+                      <p:stCondLst>
+                        <p:cond delay="indefinite"/>
+                      </p:stCondLst>
+                      <p:childTnLst>
+                        <p:par>
+                          <p:cTn id="74" fill="hold">
+                            <p:stCondLst>
+                              <p:cond delay="0"/>
+                            </p:stCondLst>
+                            <p:childTnLst>
+                              <p:par>
+                                <p:cTn id="75" presetID="10" presetClass="exit" presetSubtype="0" fill="hold" nodeType="clickEffect">
+                                  <p:stCondLst>
+                                    <p:cond delay="0"/>
+                                  </p:stCondLst>
+                                  <p:childTnLst>
+                                    <p:animEffect transition="out" filter="fade">
+                                      <p:cBhvr>
+                                        <p:cTn id="76" dur="500"/>
+                                        <p:tgtEl>
+                                          <p:spTgt spid="3">
+                                            <p:txEl>
+                                              <p:pRg st="6" end="6"/>
+                                            </p:txEl>
+                                          </p:spTgt>
+                                        </p:tgtEl>
+                                      </p:cBhvr>
+                                    </p:animEffect>
+                                    <p:set>
+                                      <p:cBhvr>
+                                        <p:cTn id="77" dur="1" fill="hold">
+                                          <p:stCondLst>
+                                            <p:cond delay="499"/>
+                                          </p:stCondLst>
+                                        </p:cTn>
+                                        <p:tgtEl>
+                                          <p:spTgt spid="3">
+                                            <p:txEl>
+                                              <p:pRg st="6" end="6"/>
+                                            </p:txEl>
+                                          </p:spTgt>
+                                        </p:tgtEl>
+                                        <p:attrNameLst>
+                                          <p:attrName>style.visibility</p:attrName>
+                                        </p:attrNameLst>
+                                      </p:cBhvr>
+                                      <p:to>
+                                        <p:strVal val="hidden"/>
+                                      </p:to>
+                                    </p:set>
+                                  </p:childTnLst>
+                                </p:cTn>
+                              </p:par>
+                            </p:childTnLst>
+                          </p:cTn>
+                        </p:par>
+                      </p:childTnLst>
+                    </p:cTn>
+                  </p:par>
+                  <p:par>
+                    <p:cTn id="78" fill="hold">
+                      <p:stCondLst>
+                        <p:cond delay="indefinite"/>
+                      </p:stCondLst>
+                      <p:childTnLst>
+                        <p:par>
+                          <p:cTn id="79" fill="hold">
+                            <p:stCondLst>
+                              <p:cond delay="0"/>
+                            </p:stCondLst>
+                            <p:childTnLst>
+                              <p:par>
+                                <p:cTn id="80" presetID="10" presetClass="exit" presetSubtype="0" fill="hold" nodeType="clickEffect">
+                                  <p:stCondLst>
+                                    <p:cond delay="0"/>
+                                  </p:stCondLst>
+                                  <p:childTnLst>
+                                    <p:animEffect transition="out" filter="fade">
+                                      <p:cBhvr>
+                                        <p:cTn id="81" dur="500"/>
+                                        <p:tgtEl>
+                                          <p:spTgt spid="3">
+                                            <p:txEl>
+                                              <p:pRg st="7" end="7"/>
+                                            </p:txEl>
+                                          </p:spTgt>
+                                        </p:tgtEl>
+                                      </p:cBhvr>
+                                    </p:animEffect>
+                                    <p:set>
+                                      <p:cBhvr>
+                                        <p:cTn id="82" dur="1" fill="hold">
+                                          <p:stCondLst>
+                                            <p:cond delay="499"/>
+                                          </p:stCondLst>
+                                        </p:cTn>
+                                        <p:tgtEl>
+                                          <p:spTgt spid="3">
+                                            <p:txEl>
+                                              <p:pRg st="7" end="7"/>
                                             </p:txEl>
                                           </p:spTgt>
                                         </p:tgtEl>
